--- a/03-스프링 부트 개념과 활용/assets/image.pptx
+++ b/03-스프링 부트 개념과 활용/assets/image.pptx
@@ -105,6 +105,11 @@
       </a:defRPr>
     </a:lvl9pPr>
   </p:defaultTextStyle>
+  <p:extLst>
+    <p:ext uri="{EFAFB233-063F-42B5-8137-9DF3F51BA10A}">
+      <p15:sldGuideLst xmlns:p15="http://schemas.microsoft.com/office/powerpoint/2012/main"/>
+    </p:ext>
+  </p:extLst>
 </p:presentation>
 </file>
 
@@ -257,7 +262,7 @@
           <a:p>
             <a:fld id="{8BF48431-9A6F-8A44-AE8D-657D68852F8B}" type="datetimeFigureOut">
               <a:rPr kumimoji="1" lang="ko-Kore-KR" altLang="en-US" smtClean="0"/>
-              <a:t>2021. 6. 4.</a:t>
+              <a:t>2021. 6. 6.</a:t>
             </a:fld>
             <a:endParaRPr kumimoji="1" lang="ko-Kore-KR" altLang="en-US"/>
           </a:p>
@@ -457,7 +462,7 @@
           <a:p>
             <a:fld id="{8BF48431-9A6F-8A44-AE8D-657D68852F8B}" type="datetimeFigureOut">
               <a:rPr kumimoji="1" lang="ko-Kore-KR" altLang="en-US" smtClean="0"/>
-              <a:t>2021. 6. 4.</a:t>
+              <a:t>2021. 6. 6.</a:t>
             </a:fld>
             <a:endParaRPr kumimoji="1" lang="ko-Kore-KR" altLang="en-US"/>
           </a:p>
@@ -667,7 +672,7 @@
           <a:p>
             <a:fld id="{8BF48431-9A6F-8A44-AE8D-657D68852F8B}" type="datetimeFigureOut">
               <a:rPr kumimoji="1" lang="ko-Kore-KR" altLang="en-US" smtClean="0"/>
-              <a:t>2021. 6. 4.</a:t>
+              <a:t>2021. 6. 6.</a:t>
             </a:fld>
             <a:endParaRPr kumimoji="1" lang="ko-Kore-KR" altLang="en-US"/>
           </a:p>
@@ -867,7 +872,7 @@
           <a:p>
             <a:fld id="{8BF48431-9A6F-8A44-AE8D-657D68852F8B}" type="datetimeFigureOut">
               <a:rPr kumimoji="1" lang="ko-Kore-KR" altLang="en-US" smtClean="0"/>
-              <a:t>2021. 6. 4.</a:t>
+              <a:t>2021. 6. 6.</a:t>
             </a:fld>
             <a:endParaRPr kumimoji="1" lang="ko-Kore-KR" altLang="en-US"/>
           </a:p>
@@ -1143,7 +1148,7 @@
           <a:p>
             <a:fld id="{8BF48431-9A6F-8A44-AE8D-657D68852F8B}" type="datetimeFigureOut">
               <a:rPr kumimoji="1" lang="ko-Kore-KR" altLang="en-US" smtClean="0"/>
-              <a:t>2021. 6. 4.</a:t>
+              <a:t>2021. 6. 6.</a:t>
             </a:fld>
             <a:endParaRPr kumimoji="1" lang="ko-Kore-KR" altLang="en-US"/>
           </a:p>
@@ -1411,7 +1416,7 @@
           <a:p>
             <a:fld id="{8BF48431-9A6F-8A44-AE8D-657D68852F8B}" type="datetimeFigureOut">
               <a:rPr kumimoji="1" lang="ko-Kore-KR" altLang="en-US" smtClean="0"/>
-              <a:t>2021. 6. 4.</a:t>
+              <a:t>2021. 6. 6.</a:t>
             </a:fld>
             <a:endParaRPr kumimoji="1" lang="ko-Kore-KR" altLang="en-US"/>
           </a:p>
@@ -1826,7 +1831,7 @@
           <a:p>
             <a:fld id="{8BF48431-9A6F-8A44-AE8D-657D68852F8B}" type="datetimeFigureOut">
               <a:rPr kumimoji="1" lang="ko-Kore-KR" altLang="en-US" smtClean="0"/>
-              <a:t>2021. 6. 4.</a:t>
+              <a:t>2021. 6. 6.</a:t>
             </a:fld>
             <a:endParaRPr kumimoji="1" lang="ko-Kore-KR" altLang="en-US"/>
           </a:p>
@@ -1968,7 +1973,7 @@
           <a:p>
             <a:fld id="{8BF48431-9A6F-8A44-AE8D-657D68852F8B}" type="datetimeFigureOut">
               <a:rPr kumimoji="1" lang="ko-Kore-KR" altLang="en-US" smtClean="0"/>
-              <a:t>2021. 6. 4.</a:t>
+              <a:t>2021. 6. 6.</a:t>
             </a:fld>
             <a:endParaRPr kumimoji="1" lang="ko-Kore-KR" altLang="en-US"/>
           </a:p>
@@ -2081,7 +2086,7 @@
           <a:p>
             <a:fld id="{8BF48431-9A6F-8A44-AE8D-657D68852F8B}" type="datetimeFigureOut">
               <a:rPr kumimoji="1" lang="ko-Kore-KR" altLang="en-US" smtClean="0"/>
-              <a:t>2021. 6. 4.</a:t>
+              <a:t>2021. 6. 6.</a:t>
             </a:fld>
             <a:endParaRPr kumimoji="1" lang="ko-Kore-KR" altLang="en-US"/>
           </a:p>
@@ -2394,7 +2399,7 @@
           <a:p>
             <a:fld id="{8BF48431-9A6F-8A44-AE8D-657D68852F8B}" type="datetimeFigureOut">
               <a:rPr kumimoji="1" lang="ko-Kore-KR" altLang="en-US" smtClean="0"/>
-              <a:t>2021. 6. 4.</a:t>
+              <a:t>2021. 6. 6.</a:t>
             </a:fld>
             <a:endParaRPr kumimoji="1" lang="ko-Kore-KR" altLang="en-US"/>
           </a:p>
@@ -2683,7 +2688,7 @@
           <a:p>
             <a:fld id="{8BF48431-9A6F-8A44-AE8D-657D68852F8B}" type="datetimeFigureOut">
               <a:rPr kumimoji="1" lang="ko-Kore-KR" altLang="en-US" smtClean="0"/>
-              <a:t>2021. 6. 4.</a:t>
+              <a:t>2021. 6. 6.</a:t>
             </a:fld>
             <a:endParaRPr kumimoji="1" lang="ko-Kore-KR" altLang="en-US"/>
           </a:p>
@@ -2926,7 +2931,7 @@
           <a:p>
             <a:fld id="{8BF48431-9A6F-8A44-AE8D-657D68852F8B}" type="datetimeFigureOut">
               <a:rPr kumimoji="1" lang="ko-Kore-KR" altLang="en-US" smtClean="0"/>
-              <a:t>2021. 6. 4.</a:t>
+              <a:t>2021. 6. 6.</a:t>
             </a:fld>
             <a:endParaRPr kumimoji="1" lang="ko-Kore-KR" altLang="en-US"/>
           </a:p>
@@ -3345,10 +3350,10 @@
       </p:grpSpPr>
       <p:pic>
         <p:nvPicPr>
-          <p:cNvPr id="5" name="그림 4" descr="텍스트이(가) 표시된 사진&#10;&#10;자동 생성된 설명">
-            <a:extLst>
-              <a:ext uri="{FF2B5EF4-FFF2-40B4-BE49-F238E27FC236}">
-                <a16:creationId xmlns:a16="http://schemas.microsoft.com/office/drawing/2014/main" id="{C27BDB21-B171-3447-ACFA-E1D131E54CE5}"/>
+          <p:cNvPr id="6" name="그림 5">
+            <a:extLst>
+              <a:ext uri="{FF2B5EF4-FFF2-40B4-BE49-F238E27FC236}">
+                <a16:creationId xmlns:a16="http://schemas.microsoft.com/office/drawing/2014/main" id="{92A2536B-DE37-E34C-9EF9-E049616154CD}"/>
               </a:ext>
             </a:extLst>
           </p:cNvPr>
@@ -3365,14 +3370,170 @@
         </p:blipFill>
         <p:spPr>
           <a:xfrm>
-            <a:off x="2840288" y="1020462"/>
-            <a:ext cx="6511424" cy="4817075"/>
+            <a:off x="2640793" y="775435"/>
+            <a:ext cx="6910414" cy="5307130"/>
           </a:xfrm>
           <a:prstGeom prst="rect">
             <a:avLst/>
           </a:prstGeom>
         </p:spPr>
       </p:pic>
+      <p:sp>
+        <p:nvSpPr>
+          <p:cNvPr id="2" name="직사각형 1">
+            <a:extLst>
+              <a:ext uri="{FF2B5EF4-FFF2-40B4-BE49-F238E27FC236}">
+                <a16:creationId xmlns:a16="http://schemas.microsoft.com/office/drawing/2014/main" id="{0FE8996D-EE11-DB49-9BAA-49B9FE46C88D}"/>
+              </a:ext>
+            </a:extLst>
+          </p:cNvPr>
+          <p:cNvSpPr/>
+          <p:nvPr/>
+        </p:nvSpPr>
+        <p:spPr>
+          <a:xfrm>
+            <a:off x="4435366" y="1944414"/>
+            <a:ext cx="1587062" cy="241738"/>
+          </a:xfrm>
+          <a:prstGeom prst="rect">
+            <a:avLst/>
+          </a:prstGeom>
+          <a:noFill/>
+          <a:ln w="28575">
+            <a:solidFill>
+              <a:srgbClr val="FF0000"/>
+            </a:solidFill>
+          </a:ln>
+        </p:spPr>
+        <p:style>
+          <a:lnRef idx="2">
+            <a:schemeClr val="accent1">
+              <a:shade val="50000"/>
+            </a:schemeClr>
+          </a:lnRef>
+          <a:fillRef idx="1">
+            <a:schemeClr val="accent1"/>
+          </a:fillRef>
+          <a:effectRef idx="0">
+            <a:schemeClr val="accent1"/>
+          </a:effectRef>
+          <a:fontRef idx="minor">
+            <a:schemeClr val="lt1"/>
+          </a:fontRef>
+        </p:style>
+        <p:txBody>
+          <a:bodyPr rtlCol="0" anchor="ctr"/>
+          <a:lstStyle/>
+          <a:p>
+            <a:pPr algn="ctr"/>
+            <a:endParaRPr kumimoji="1" lang="ko-Kore-KR" altLang="en-US"/>
+          </a:p>
+        </p:txBody>
+      </p:sp>
+      <p:sp>
+        <p:nvSpPr>
+          <p:cNvPr id="4" name="직사각형 3">
+            <a:extLst>
+              <a:ext uri="{FF2B5EF4-FFF2-40B4-BE49-F238E27FC236}">
+                <a16:creationId xmlns:a16="http://schemas.microsoft.com/office/drawing/2014/main" id="{BFBD47B3-D437-DE44-99A9-6FB3CF76DFE0}"/>
+              </a:ext>
+            </a:extLst>
+          </p:cNvPr>
+          <p:cNvSpPr/>
+          <p:nvPr/>
+        </p:nvSpPr>
+        <p:spPr>
+          <a:xfrm>
+            <a:off x="6858000" y="1786759"/>
+            <a:ext cx="2517228" cy="241738"/>
+          </a:xfrm>
+          <a:prstGeom prst="rect">
+            <a:avLst/>
+          </a:prstGeom>
+          <a:noFill/>
+          <a:ln w="28575">
+            <a:solidFill>
+              <a:srgbClr val="FF0000"/>
+            </a:solidFill>
+          </a:ln>
+        </p:spPr>
+        <p:style>
+          <a:lnRef idx="2">
+            <a:schemeClr val="accent1">
+              <a:shade val="50000"/>
+            </a:schemeClr>
+          </a:lnRef>
+          <a:fillRef idx="1">
+            <a:schemeClr val="accent1"/>
+          </a:fillRef>
+          <a:effectRef idx="0">
+            <a:schemeClr val="accent1"/>
+          </a:effectRef>
+          <a:fontRef idx="minor">
+            <a:schemeClr val="lt1"/>
+          </a:fontRef>
+        </p:style>
+        <p:txBody>
+          <a:bodyPr rtlCol="0" anchor="ctr"/>
+          <a:lstStyle/>
+          <a:p>
+            <a:pPr algn="ctr"/>
+            <a:endParaRPr kumimoji="1" lang="ko-Kore-KR" altLang="en-US"/>
+          </a:p>
+        </p:txBody>
+      </p:sp>
+      <p:sp>
+        <p:nvSpPr>
+          <p:cNvPr id="5" name="직사각형 4">
+            <a:extLst>
+              <a:ext uri="{FF2B5EF4-FFF2-40B4-BE49-F238E27FC236}">
+                <a16:creationId xmlns:a16="http://schemas.microsoft.com/office/drawing/2014/main" id="{0E34581F-2536-C14B-9F31-A4780B56F129}"/>
+              </a:ext>
+            </a:extLst>
+          </p:cNvPr>
+          <p:cNvSpPr/>
+          <p:nvPr/>
+        </p:nvSpPr>
+        <p:spPr>
+          <a:xfrm>
+            <a:off x="8786649" y="5722884"/>
+            <a:ext cx="662151" cy="241738"/>
+          </a:xfrm>
+          <a:prstGeom prst="rect">
+            <a:avLst/>
+          </a:prstGeom>
+          <a:noFill/>
+          <a:ln w="28575">
+            <a:solidFill>
+              <a:srgbClr val="FF0000"/>
+            </a:solidFill>
+          </a:ln>
+        </p:spPr>
+        <p:style>
+          <a:lnRef idx="2">
+            <a:schemeClr val="accent1">
+              <a:shade val="50000"/>
+            </a:schemeClr>
+          </a:lnRef>
+          <a:fillRef idx="1">
+            <a:schemeClr val="accent1"/>
+          </a:fillRef>
+          <a:effectRef idx="0">
+            <a:schemeClr val="accent1"/>
+          </a:effectRef>
+          <a:fontRef idx="minor">
+            <a:schemeClr val="lt1"/>
+          </a:fontRef>
+        </p:style>
+        <p:txBody>
+          <a:bodyPr rtlCol="0" anchor="ctr"/>
+          <a:lstStyle/>
+          <a:p>
+            <a:pPr algn="ctr"/>
+            <a:endParaRPr kumimoji="1" lang="ko-Kore-KR" altLang="en-US"/>
+          </a:p>
+        </p:txBody>
+      </p:sp>
     </p:spTree>
     <p:extLst>
       <p:ext uri="{BB962C8B-B14F-4D97-AF65-F5344CB8AC3E}">
@@ -3403,6 +3564,228 @@
           <a:chExt cx="0" cy="0"/>
         </a:xfrm>
       </p:grpSpPr>
+      <p:pic>
+        <p:nvPicPr>
+          <p:cNvPr id="3" name="그림 2">
+            <a:extLst>
+              <a:ext uri="{FF2B5EF4-FFF2-40B4-BE49-F238E27FC236}">
+                <a16:creationId xmlns:a16="http://schemas.microsoft.com/office/drawing/2014/main" id="{3A710786-AFDB-204F-9837-7D4F0EBD94FB}"/>
+              </a:ext>
+            </a:extLst>
+          </p:cNvPr>
+          <p:cNvPicPr>
+            <a:picLocks noChangeAspect="1"/>
+          </p:cNvPicPr>
+          <p:nvPr/>
+        </p:nvPicPr>
+        <p:blipFill>
+          <a:blip r:embed="rId2"/>
+          <a:stretch>
+            <a:fillRect/>
+          </a:stretch>
+        </p:blipFill>
+        <p:spPr>
+          <a:xfrm>
+            <a:off x="2307437" y="520178"/>
+            <a:ext cx="7577126" cy="5817643"/>
+          </a:xfrm>
+          <a:prstGeom prst="rect">
+            <a:avLst/>
+          </a:prstGeom>
+        </p:spPr>
+      </p:pic>
+      <p:sp>
+        <p:nvSpPr>
+          <p:cNvPr id="4" name="직사각형 3">
+            <a:extLst>
+              <a:ext uri="{FF2B5EF4-FFF2-40B4-BE49-F238E27FC236}">
+                <a16:creationId xmlns:a16="http://schemas.microsoft.com/office/drawing/2014/main" id="{E9115873-D64B-E045-BFEC-0E028D123F5C}"/>
+              </a:ext>
+            </a:extLst>
+          </p:cNvPr>
+          <p:cNvSpPr/>
+          <p:nvPr/>
+        </p:nvSpPr>
+        <p:spPr>
+          <a:xfrm>
+            <a:off x="4677103" y="3092670"/>
+            <a:ext cx="1713187" cy="283779"/>
+          </a:xfrm>
+          <a:prstGeom prst="rect">
+            <a:avLst/>
+          </a:prstGeom>
+          <a:noFill/>
+          <a:ln w="28575">
+            <a:solidFill>
+              <a:srgbClr val="FF0000"/>
+            </a:solidFill>
+          </a:ln>
+        </p:spPr>
+        <p:style>
+          <a:lnRef idx="2">
+            <a:schemeClr val="accent1">
+              <a:shade val="50000"/>
+            </a:schemeClr>
+          </a:lnRef>
+          <a:fillRef idx="1">
+            <a:schemeClr val="accent1"/>
+          </a:fillRef>
+          <a:effectRef idx="0">
+            <a:schemeClr val="accent1"/>
+          </a:effectRef>
+          <a:fontRef idx="minor">
+            <a:schemeClr val="lt1"/>
+          </a:fontRef>
+        </p:style>
+        <p:txBody>
+          <a:bodyPr rtlCol="0" anchor="ctr"/>
+          <a:lstStyle/>
+          <a:p>
+            <a:pPr algn="ctr"/>
+            <a:endParaRPr kumimoji="1" lang="ko-Kore-KR" altLang="en-US"/>
+          </a:p>
+        </p:txBody>
+      </p:sp>
+      <p:sp>
+        <p:nvSpPr>
+          <p:cNvPr id="5" name="직사각형 4">
+            <a:extLst>
+              <a:ext uri="{FF2B5EF4-FFF2-40B4-BE49-F238E27FC236}">
+                <a16:creationId xmlns:a16="http://schemas.microsoft.com/office/drawing/2014/main" id="{2811736B-B173-2543-AE55-FDCD7DC9D9BD}"/>
+              </a:ext>
+            </a:extLst>
+          </p:cNvPr>
+          <p:cNvSpPr/>
+          <p:nvPr/>
+        </p:nvSpPr>
+        <p:spPr>
+          <a:xfrm>
+            <a:off x="4677103" y="2575035"/>
+            <a:ext cx="1713187" cy="283779"/>
+          </a:xfrm>
+          <a:prstGeom prst="rect">
+            <a:avLst/>
+          </a:prstGeom>
+          <a:noFill/>
+          <a:ln w="28575">
+            <a:solidFill>
+              <a:srgbClr val="FF0000"/>
+            </a:solidFill>
+          </a:ln>
+        </p:spPr>
+        <p:style>
+          <a:lnRef idx="2">
+            <a:schemeClr val="accent1">
+              <a:shade val="50000"/>
+            </a:schemeClr>
+          </a:lnRef>
+          <a:fillRef idx="1">
+            <a:schemeClr val="accent1"/>
+          </a:fillRef>
+          <a:effectRef idx="0">
+            <a:schemeClr val="accent1"/>
+          </a:effectRef>
+          <a:fontRef idx="minor">
+            <a:schemeClr val="lt1"/>
+          </a:fontRef>
+        </p:style>
+        <p:txBody>
+          <a:bodyPr rtlCol="0" anchor="ctr"/>
+          <a:lstStyle/>
+          <a:p>
+            <a:pPr algn="ctr"/>
+            <a:endParaRPr kumimoji="1" lang="ko-Kore-KR" altLang="en-US"/>
+          </a:p>
+        </p:txBody>
+      </p:sp>
+      <p:sp>
+        <p:nvSpPr>
+          <p:cNvPr id="6" name="TextBox 5">
+            <a:extLst>
+              <a:ext uri="{FF2B5EF4-FFF2-40B4-BE49-F238E27FC236}">
+                <a16:creationId xmlns:a16="http://schemas.microsoft.com/office/drawing/2014/main" id="{C791497F-8100-4143-B155-4C14DE6FED0D}"/>
+              </a:ext>
+            </a:extLst>
+          </p:cNvPr>
+          <p:cNvSpPr txBox="1"/>
+          <p:nvPr/>
+        </p:nvSpPr>
+        <p:spPr>
+          <a:xfrm>
+            <a:off x="6390290" y="2532258"/>
+            <a:ext cx="1160895" cy="369332"/>
+          </a:xfrm>
+          <a:prstGeom prst="rect">
+            <a:avLst/>
+          </a:prstGeom>
+          <a:noFill/>
+        </p:spPr>
+        <p:txBody>
+          <a:bodyPr wrap="none" rtlCol="0">
+            <a:spAutoFit/>
+          </a:bodyPr>
+          <a:lstStyle/>
+          <a:p>
+            <a:r>
+              <a:rPr kumimoji="1" lang="ko-KR" altLang="en-US" dirty="0">
+                <a:solidFill>
+                  <a:srgbClr val="FF0000"/>
+                </a:solidFill>
+              </a:rPr>
+              <a:t>패키지 명</a:t>
+            </a:r>
+            <a:endParaRPr kumimoji="1" lang="ko-Kore-KR" altLang="en-US" dirty="0">
+              <a:solidFill>
+                <a:srgbClr val="FF0000"/>
+              </a:solidFill>
+            </a:endParaRPr>
+          </a:p>
+        </p:txBody>
+      </p:sp>
+      <p:sp>
+        <p:nvSpPr>
+          <p:cNvPr id="7" name="TextBox 6">
+            <a:extLst>
+              <a:ext uri="{FF2B5EF4-FFF2-40B4-BE49-F238E27FC236}">
+                <a16:creationId xmlns:a16="http://schemas.microsoft.com/office/drawing/2014/main" id="{4BCF7E3D-33F2-8145-93C1-00F38E9587F0}"/>
+              </a:ext>
+            </a:extLst>
+          </p:cNvPr>
+          <p:cNvSpPr txBox="1"/>
+          <p:nvPr/>
+        </p:nvSpPr>
+        <p:spPr>
+          <a:xfrm>
+            <a:off x="6390290" y="3049158"/>
+            <a:ext cx="930063" cy="369332"/>
+          </a:xfrm>
+          <a:prstGeom prst="rect">
+            <a:avLst/>
+          </a:prstGeom>
+          <a:noFill/>
+        </p:spPr>
+        <p:txBody>
+          <a:bodyPr wrap="none" rtlCol="0">
+            <a:spAutoFit/>
+          </a:bodyPr>
+          <a:lstStyle/>
+          <a:p>
+            <a:r>
+              <a:rPr kumimoji="1" lang="ko-KR" altLang="en-US" dirty="0">
+                <a:solidFill>
+                  <a:srgbClr val="FF0000"/>
+                </a:solidFill>
+              </a:rPr>
+              <a:t>빌드 명</a:t>
+            </a:r>
+            <a:endParaRPr kumimoji="1" lang="ko-Kore-KR" altLang="en-US" dirty="0">
+              <a:solidFill>
+                <a:srgbClr val="FF0000"/>
+              </a:solidFill>
+            </a:endParaRPr>
+          </a:p>
+        </p:txBody>
+      </p:sp>
     </p:spTree>
     <p:extLst>
       <p:ext uri="{BB962C8B-B14F-4D97-AF65-F5344CB8AC3E}">

--- a/03-스프링 부트 개념과 활용/assets/image.pptx
+++ b/03-스프링 부트 개념과 활용/assets/image.pptx
@@ -7,6 +7,15 @@
   <p:sldIdLst>
     <p:sldId id="256" r:id="rId2"/>
     <p:sldId id="257" r:id="rId3"/>
+    <p:sldId id="258" r:id="rId4"/>
+    <p:sldId id="259" r:id="rId5"/>
+    <p:sldId id="260" r:id="rId6"/>
+    <p:sldId id="261" r:id="rId7"/>
+    <p:sldId id="262" r:id="rId8"/>
+    <p:sldId id="263" r:id="rId9"/>
+    <p:sldId id="264" r:id="rId10"/>
+    <p:sldId id="265" r:id="rId11"/>
+    <p:sldId id="266" r:id="rId12"/>
   </p:sldIdLst>
   <p:sldSz cx="12192000" cy="6858000"/>
   <p:notesSz cx="6858000" cy="9144000"/>
@@ -3547,6 +3556,66 @@
 </p:sld>
 </file>
 
+<file path=ppt/slides/slide10.xml><?xml version="1.0" encoding="utf-8"?>
+<p:sld xmlns:a="http://schemas.openxmlformats.org/drawingml/2006/main" xmlns:r="http://schemas.openxmlformats.org/officeDocument/2006/relationships" xmlns:p="http://schemas.openxmlformats.org/presentationml/2006/main">
+  <p:cSld>
+    <p:spTree>
+      <p:nvGrpSpPr>
+        <p:cNvPr id="1" name=""/>
+        <p:cNvGrpSpPr/>
+        <p:nvPr/>
+      </p:nvGrpSpPr>
+      <p:grpSpPr>
+        <a:xfrm>
+          <a:off x="0" y="0"/>
+          <a:ext cx="0" cy="0"/>
+          <a:chOff x="0" y="0"/>
+          <a:chExt cx="0" cy="0"/>
+        </a:xfrm>
+      </p:grpSpPr>
+    </p:spTree>
+    <p:extLst>
+      <p:ext uri="{BB962C8B-B14F-4D97-AF65-F5344CB8AC3E}">
+        <p14:creationId xmlns:p14="http://schemas.microsoft.com/office/powerpoint/2010/main" val="924365347"/>
+      </p:ext>
+    </p:extLst>
+  </p:cSld>
+  <p:clrMapOvr>
+    <a:masterClrMapping/>
+  </p:clrMapOvr>
+</p:sld>
+</file>
+
+<file path=ppt/slides/slide11.xml><?xml version="1.0" encoding="utf-8"?>
+<p:sld xmlns:a="http://schemas.openxmlformats.org/drawingml/2006/main" xmlns:r="http://schemas.openxmlformats.org/officeDocument/2006/relationships" xmlns:p="http://schemas.openxmlformats.org/presentationml/2006/main">
+  <p:cSld>
+    <p:spTree>
+      <p:nvGrpSpPr>
+        <p:cNvPr id="1" name=""/>
+        <p:cNvGrpSpPr/>
+        <p:nvPr/>
+      </p:nvGrpSpPr>
+      <p:grpSpPr>
+        <a:xfrm>
+          <a:off x="0" y="0"/>
+          <a:ext cx="0" cy="0"/>
+          <a:chOff x="0" y="0"/>
+          <a:chExt cx="0" cy="0"/>
+        </a:xfrm>
+      </p:grpSpPr>
+    </p:spTree>
+    <p:extLst>
+      <p:ext uri="{BB962C8B-B14F-4D97-AF65-F5344CB8AC3E}">
+        <p14:creationId xmlns:p14="http://schemas.microsoft.com/office/powerpoint/2010/main" val="3094389344"/>
+      </p:ext>
+    </p:extLst>
+  </p:cSld>
+  <p:clrMapOvr>
+    <a:masterClrMapping/>
+  </p:clrMapOvr>
+</p:sld>
+</file>
+
 <file path=ppt/slides/slide2.xml><?xml version="1.0" encoding="utf-8"?>
 <p:sld xmlns:a="http://schemas.openxmlformats.org/drawingml/2006/main" xmlns:r="http://schemas.openxmlformats.org/officeDocument/2006/relationships" xmlns:p="http://schemas.openxmlformats.org/presentationml/2006/main">
   <p:cSld>
@@ -3790,6 +3859,624 @@
     <p:extLst>
       <p:ext uri="{BB962C8B-B14F-4D97-AF65-F5344CB8AC3E}">
         <p14:creationId xmlns:p14="http://schemas.microsoft.com/office/powerpoint/2010/main" val="1169183143"/>
+      </p:ext>
+    </p:extLst>
+  </p:cSld>
+  <p:clrMapOvr>
+    <a:masterClrMapping/>
+  </p:clrMapOvr>
+</p:sld>
+</file>
+
+<file path=ppt/slides/slide3.xml><?xml version="1.0" encoding="utf-8"?>
+<p:sld xmlns:a="http://schemas.openxmlformats.org/drawingml/2006/main" xmlns:r="http://schemas.openxmlformats.org/officeDocument/2006/relationships" xmlns:p="http://schemas.openxmlformats.org/presentationml/2006/main">
+  <p:cSld>
+    <p:spTree>
+      <p:nvGrpSpPr>
+        <p:cNvPr id="1" name=""/>
+        <p:cNvGrpSpPr/>
+        <p:nvPr/>
+      </p:nvGrpSpPr>
+      <p:grpSpPr>
+        <a:xfrm>
+          <a:off x="0" y="0"/>
+          <a:ext cx="0" cy="0"/>
+          <a:chOff x="0" y="0"/>
+          <a:chExt cx="0" cy="0"/>
+        </a:xfrm>
+      </p:grpSpPr>
+      <p:sp>
+        <p:nvSpPr>
+          <p:cNvPr id="4" name="TextBox 3">
+            <a:extLst>
+              <a:ext uri="{FF2B5EF4-FFF2-40B4-BE49-F238E27FC236}">
+                <a16:creationId xmlns:a16="http://schemas.microsoft.com/office/drawing/2014/main" id="{5BCE9E16-C648-D443-94E7-5F4F57CF57C2}"/>
+              </a:ext>
+            </a:extLst>
+          </p:cNvPr>
+          <p:cNvSpPr txBox="1"/>
+          <p:nvPr/>
+        </p:nvSpPr>
+        <p:spPr>
+          <a:xfrm>
+            <a:off x="3857297" y="2767794"/>
+            <a:ext cx="2923108" cy="400110"/>
+          </a:xfrm>
+          <a:prstGeom prst="rect">
+            <a:avLst/>
+          </a:prstGeom>
+          <a:noFill/>
+        </p:spPr>
+        <p:txBody>
+          <a:bodyPr wrap="none" rtlCol="0">
+            <a:spAutoFit/>
+          </a:bodyPr>
+          <a:lstStyle/>
+          <a:p>
+            <a:r>
+              <a:rPr lang="en" altLang="ko-Kore-KR" sz="2000" dirty="0"/>
+              <a:t>spring-boot-starter-parent</a:t>
+            </a:r>
+            <a:endParaRPr kumimoji="1" lang="ko-Kore-KR" altLang="en-US" sz="2000" dirty="0"/>
+          </a:p>
+        </p:txBody>
+      </p:sp>
+      <p:sp>
+        <p:nvSpPr>
+          <p:cNvPr id="5" name="TextBox 4">
+            <a:extLst>
+              <a:ext uri="{FF2B5EF4-FFF2-40B4-BE49-F238E27FC236}">
+                <a16:creationId xmlns:a16="http://schemas.microsoft.com/office/drawing/2014/main" id="{C58869D0-6049-6E49-A8C7-1D8ECD8C3C19}"/>
+              </a:ext>
+            </a:extLst>
+          </p:cNvPr>
+          <p:cNvSpPr txBox="1"/>
+          <p:nvPr/>
+        </p:nvSpPr>
+        <p:spPr>
+          <a:xfrm>
+            <a:off x="6337738" y="3478924"/>
+            <a:ext cx="1392241" cy="400110"/>
+          </a:xfrm>
+          <a:prstGeom prst="rect">
+            <a:avLst/>
+          </a:prstGeom>
+          <a:noFill/>
+        </p:spPr>
+        <p:txBody>
+          <a:bodyPr wrap="none" rtlCol="0">
+            <a:spAutoFit/>
+          </a:bodyPr>
+          <a:lstStyle/>
+          <a:p>
+            <a:r>
+              <a:rPr kumimoji="1" lang="en-US" altLang="ko-Kore-KR" sz="2000" dirty="0" err="1"/>
+              <a:t>bootStarter</a:t>
+            </a:r>
+            <a:endParaRPr kumimoji="1" lang="ko-Kore-KR" altLang="en-US" sz="2000" dirty="0"/>
+          </a:p>
+        </p:txBody>
+      </p:sp>
+      <p:sp>
+        <p:nvSpPr>
+          <p:cNvPr id="6" name="직사각형 5">
+            <a:extLst>
+              <a:ext uri="{FF2B5EF4-FFF2-40B4-BE49-F238E27FC236}">
+                <a16:creationId xmlns:a16="http://schemas.microsoft.com/office/drawing/2014/main" id="{153FAD97-C710-B34A-AE09-9E43D7D6399A}"/>
+              </a:ext>
+            </a:extLst>
+          </p:cNvPr>
+          <p:cNvSpPr/>
+          <p:nvPr/>
+        </p:nvSpPr>
+        <p:spPr>
+          <a:xfrm>
+            <a:off x="1566457" y="2056665"/>
+            <a:ext cx="2919517" cy="400110"/>
+          </a:xfrm>
+          <a:prstGeom prst="rect">
+            <a:avLst/>
+          </a:prstGeom>
+        </p:spPr>
+        <p:txBody>
+          <a:bodyPr wrap="none">
+            <a:spAutoFit/>
+          </a:bodyPr>
+          <a:lstStyle/>
+          <a:p>
+            <a:r>
+              <a:rPr lang="en" altLang="ko-Kore-KR" sz="2000" dirty="0"/>
+              <a:t>spring-boot-dependencies</a:t>
+            </a:r>
+            <a:endParaRPr lang="ko-Kore-KR" altLang="en-US" sz="2000" dirty="0"/>
+          </a:p>
+        </p:txBody>
+      </p:sp>
+      <p:cxnSp>
+        <p:nvCxnSpPr>
+          <p:cNvPr id="8" name="꺾인 연결선[E] 7">
+            <a:extLst>
+              <a:ext uri="{FF2B5EF4-FFF2-40B4-BE49-F238E27FC236}">
+                <a16:creationId xmlns:a16="http://schemas.microsoft.com/office/drawing/2014/main" id="{5B33B3E7-587A-5647-8756-9F780B179E70}"/>
+              </a:ext>
+            </a:extLst>
+          </p:cNvPr>
+          <p:cNvCxnSpPr>
+            <a:stCxn id="6" idx="2"/>
+            <a:endCxn id="4" idx="1"/>
+          </p:cNvCxnSpPr>
+          <p:nvPr/>
+        </p:nvCxnSpPr>
+        <p:spPr>
+          <a:xfrm rot="16200000" flipH="1">
+            <a:off x="3186219" y="2296771"/>
+            <a:ext cx="511074" cy="831081"/>
+          </a:xfrm>
+          <a:prstGeom prst="bentConnector2">
+            <a:avLst/>
+          </a:prstGeom>
+          <a:ln>
+            <a:tailEnd type="triangle"/>
+          </a:ln>
+        </p:spPr>
+        <p:style>
+          <a:lnRef idx="1">
+            <a:schemeClr val="accent1"/>
+          </a:lnRef>
+          <a:fillRef idx="0">
+            <a:schemeClr val="accent1"/>
+          </a:fillRef>
+          <a:effectRef idx="0">
+            <a:schemeClr val="accent1"/>
+          </a:effectRef>
+          <a:fontRef idx="minor">
+            <a:schemeClr val="tx1"/>
+          </a:fontRef>
+        </p:style>
+      </p:cxnSp>
+      <p:cxnSp>
+        <p:nvCxnSpPr>
+          <p:cNvPr id="9" name="꺾인 연결선[E] 8">
+            <a:extLst>
+              <a:ext uri="{FF2B5EF4-FFF2-40B4-BE49-F238E27FC236}">
+                <a16:creationId xmlns:a16="http://schemas.microsoft.com/office/drawing/2014/main" id="{E0F716B0-A4A0-0841-B36D-F84DA9C2C7B3}"/>
+              </a:ext>
+            </a:extLst>
+          </p:cNvPr>
+          <p:cNvCxnSpPr>
+            <a:cxnSpLocks/>
+            <a:stCxn id="4" idx="2"/>
+            <a:endCxn id="5" idx="1"/>
+          </p:cNvCxnSpPr>
+          <p:nvPr/>
+        </p:nvCxnSpPr>
+        <p:spPr>
+          <a:xfrm rot="16200000" flipH="1">
+            <a:off x="5572757" y="2913997"/>
+            <a:ext cx="511075" cy="1018887"/>
+          </a:xfrm>
+          <a:prstGeom prst="bentConnector2">
+            <a:avLst/>
+          </a:prstGeom>
+          <a:ln>
+            <a:tailEnd type="triangle"/>
+          </a:ln>
+        </p:spPr>
+        <p:style>
+          <a:lnRef idx="1">
+            <a:schemeClr val="accent1"/>
+          </a:lnRef>
+          <a:fillRef idx="0">
+            <a:schemeClr val="accent1"/>
+          </a:fillRef>
+          <a:effectRef idx="0">
+            <a:schemeClr val="accent1"/>
+          </a:effectRef>
+          <a:fontRef idx="minor">
+            <a:schemeClr val="tx1"/>
+          </a:fontRef>
+        </p:style>
+      </p:cxnSp>
+      <p:cxnSp>
+        <p:nvCxnSpPr>
+          <p:cNvPr id="14" name="직선 화살표 연결선 13">
+            <a:extLst>
+              <a:ext uri="{FF2B5EF4-FFF2-40B4-BE49-F238E27FC236}">
+                <a16:creationId xmlns:a16="http://schemas.microsoft.com/office/drawing/2014/main" id="{D9B70A27-7E66-1B4C-B66D-D311A9CE2706}"/>
+              </a:ext>
+            </a:extLst>
+          </p:cNvPr>
+          <p:cNvCxnSpPr/>
+          <p:nvPr/>
+        </p:nvCxnSpPr>
+        <p:spPr>
+          <a:xfrm flipH="1">
+            <a:off x="4183117" y="3167902"/>
+            <a:ext cx="578069" cy="889091"/>
+          </a:xfrm>
+          <a:prstGeom prst="straightConnector1">
+            <a:avLst/>
+          </a:prstGeom>
+          <a:ln>
+            <a:solidFill>
+              <a:srgbClr val="FF0000"/>
+            </a:solidFill>
+            <a:tailEnd type="triangle"/>
+          </a:ln>
+        </p:spPr>
+        <p:style>
+          <a:lnRef idx="1">
+            <a:schemeClr val="accent1"/>
+          </a:lnRef>
+          <a:fillRef idx="0">
+            <a:schemeClr val="accent1"/>
+          </a:fillRef>
+          <a:effectRef idx="0">
+            <a:schemeClr val="accent1"/>
+          </a:effectRef>
+          <a:fontRef idx="minor">
+            <a:schemeClr val="tx1"/>
+          </a:fontRef>
+        </p:style>
+      </p:cxnSp>
+      <p:sp>
+        <p:nvSpPr>
+          <p:cNvPr id="15" name="TextBox 14">
+            <a:extLst>
+              <a:ext uri="{FF2B5EF4-FFF2-40B4-BE49-F238E27FC236}">
+                <a16:creationId xmlns:a16="http://schemas.microsoft.com/office/drawing/2014/main" id="{36FBB783-5878-7F40-8107-A335D48C3921}"/>
+              </a:ext>
+            </a:extLst>
+          </p:cNvPr>
+          <p:cNvSpPr txBox="1"/>
+          <p:nvPr/>
+        </p:nvSpPr>
+        <p:spPr>
+          <a:xfrm>
+            <a:off x="3438958" y="4056993"/>
+            <a:ext cx="1162498" cy="646331"/>
+          </a:xfrm>
+          <a:prstGeom prst="rect">
+            <a:avLst/>
+          </a:prstGeom>
+          <a:noFill/>
+        </p:spPr>
+        <p:txBody>
+          <a:bodyPr wrap="none" rtlCol="0">
+            <a:spAutoFit/>
+          </a:bodyPr>
+          <a:lstStyle/>
+          <a:p>
+            <a:pPr marL="171450" indent="-171450">
+              <a:buFontTx/>
+              <a:buChar char="-"/>
+            </a:pPr>
+            <a:r>
+              <a:rPr kumimoji="1" lang="ko-KR" altLang="en-US" sz="1200" dirty="0"/>
+              <a:t>자바 버전</a:t>
+            </a:r>
+            <a:endParaRPr kumimoji="1" lang="en-US" altLang="ko-KR" sz="1200" dirty="0"/>
+          </a:p>
+          <a:p>
+            <a:pPr marL="171450" indent="-171450">
+              <a:buFontTx/>
+              <a:buChar char="-"/>
+            </a:pPr>
+            <a:r>
+              <a:rPr kumimoji="1" lang="ko-KR" altLang="en-US" sz="1200" dirty="0" err="1"/>
+              <a:t>인코딩</a:t>
+            </a:r>
+            <a:r>
+              <a:rPr kumimoji="1" lang="ko-KR" altLang="en-US" sz="1200" dirty="0"/>
+              <a:t> 방식</a:t>
+            </a:r>
+            <a:endParaRPr kumimoji="1" lang="en-US" altLang="ko-KR" sz="1200" dirty="0"/>
+          </a:p>
+          <a:p>
+            <a:pPr marL="171450" indent="-171450">
+              <a:buFontTx/>
+              <a:buChar char="-"/>
+            </a:pPr>
+            <a:r>
+              <a:rPr kumimoji="1" lang="en-US" altLang="ko-KR" sz="1200" dirty="0"/>
+              <a:t>…</a:t>
+            </a:r>
+            <a:endParaRPr kumimoji="1" lang="ko-Kore-KR" altLang="en-US" sz="1200" dirty="0"/>
+          </a:p>
+        </p:txBody>
+      </p:sp>
+      <p:cxnSp>
+        <p:nvCxnSpPr>
+          <p:cNvPr id="16" name="직선 화살표 연결선 15">
+            <a:extLst>
+              <a:ext uri="{FF2B5EF4-FFF2-40B4-BE49-F238E27FC236}">
+                <a16:creationId xmlns:a16="http://schemas.microsoft.com/office/drawing/2014/main" id="{E135D7F6-5240-8C45-8E29-AD4BBB5367B0}"/>
+              </a:ext>
+            </a:extLst>
+          </p:cNvPr>
+          <p:cNvCxnSpPr/>
+          <p:nvPr/>
+        </p:nvCxnSpPr>
+        <p:spPr>
+          <a:xfrm flipH="1">
+            <a:off x="1729367" y="2456774"/>
+            <a:ext cx="578069" cy="889091"/>
+          </a:xfrm>
+          <a:prstGeom prst="straightConnector1">
+            <a:avLst/>
+          </a:prstGeom>
+          <a:ln>
+            <a:solidFill>
+              <a:srgbClr val="FF0000"/>
+            </a:solidFill>
+            <a:tailEnd type="triangle"/>
+          </a:ln>
+        </p:spPr>
+        <p:style>
+          <a:lnRef idx="1">
+            <a:schemeClr val="accent1"/>
+          </a:lnRef>
+          <a:fillRef idx="0">
+            <a:schemeClr val="accent1"/>
+          </a:fillRef>
+          <a:effectRef idx="0">
+            <a:schemeClr val="accent1"/>
+          </a:effectRef>
+          <a:fontRef idx="minor">
+            <a:schemeClr val="tx1"/>
+          </a:fontRef>
+        </p:style>
+      </p:cxnSp>
+      <p:sp>
+        <p:nvSpPr>
+          <p:cNvPr id="17" name="TextBox 16">
+            <a:extLst>
+              <a:ext uri="{FF2B5EF4-FFF2-40B4-BE49-F238E27FC236}">
+                <a16:creationId xmlns:a16="http://schemas.microsoft.com/office/drawing/2014/main" id="{4891341D-4B20-4A4D-B44C-5905690CAAFE}"/>
+              </a:ext>
+            </a:extLst>
+          </p:cNvPr>
+          <p:cNvSpPr txBox="1"/>
+          <p:nvPr/>
+        </p:nvSpPr>
+        <p:spPr>
+          <a:xfrm>
+            <a:off x="985208" y="3345865"/>
+            <a:ext cx="1162498" cy="646331"/>
+          </a:xfrm>
+          <a:prstGeom prst="rect">
+            <a:avLst/>
+          </a:prstGeom>
+          <a:noFill/>
+        </p:spPr>
+        <p:txBody>
+          <a:bodyPr wrap="none" rtlCol="0">
+            <a:spAutoFit/>
+          </a:bodyPr>
+          <a:lstStyle/>
+          <a:p>
+            <a:pPr marL="171450" indent="-171450">
+              <a:buFontTx/>
+              <a:buChar char="-"/>
+            </a:pPr>
+            <a:r>
+              <a:rPr kumimoji="1" lang="ko-KR" altLang="en-US" sz="1200" dirty="0"/>
+              <a:t>스프링 버전</a:t>
+            </a:r>
+            <a:endParaRPr kumimoji="1" lang="en-US" altLang="ko-KR" sz="1200" dirty="0"/>
+          </a:p>
+          <a:p>
+            <a:pPr marL="171450" indent="-171450">
+              <a:buFontTx/>
+              <a:buChar char="-"/>
+            </a:pPr>
+            <a:r>
+              <a:rPr kumimoji="1" lang="en-US" altLang="ko-KR" sz="1200" dirty="0"/>
+              <a:t>DB </a:t>
+            </a:r>
+            <a:r>
+              <a:rPr kumimoji="1" lang="ko-KR" altLang="en-US" sz="1200"/>
+              <a:t>버전</a:t>
+            </a:r>
+            <a:endParaRPr kumimoji="1" lang="en-US" altLang="ko-KR" sz="1200" dirty="0"/>
+          </a:p>
+          <a:p>
+            <a:pPr marL="171450" indent="-171450">
+              <a:buFontTx/>
+              <a:buChar char="-"/>
+            </a:pPr>
+            <a:r>
+              <a:rPr kumimoji="1" lang="en-US" altLang="ko-KR" sz="1200" dirty="0"/>
+              <a:t>…</a:t>
+            </a:r>
+            <a:endParaRPr kumimoji="1" lang="ko-Kore-KR" altLang="en-US" sz="1200" dirty="0"/>
+          </a:p>
+        </p:txBody>
+      </p:sp>
+    </p:spTree>
+    <p:extLst>
+      <p:ext uri="{BB962C8B-B14F-4D97-AF65-F5344CB8AC3E}">
+        <p14:creationId xmlns:p14="http://schemas.microsoft.com/office/powerpoint/2010/main" val="3974562214"/>
+      </p:ext>
+    </p:extLst>
+  </p:cSld>
+  <p:clrMapOvr>
+    <a:masterClrMapping/>
+  </p:clrMapOvr>
+</p:sld>
+</file>
+
+<file path=ppt/slides/slide4.xml><?xml version="1.0" encoding="utf-8"?>
+<p:sld xmlns:a="http://schemas.openxmlformats.org/drawingml/2006/main" xmlns:r="http://schemas.openxmlformats.org/officeDocument/2006/relationships" xmlns:p="http://schemas.openxmlformats.org/presentationml/2006/main">
+  <p:cSld>
+    <p:spTree>
+      <p:nvGrpSpPr>
+        <p:cNvPr id="1" name=""/>
+        <p:cNvGrpSpPr/>
+        <p:nvPr/>
+      </p:nvGrpSpPr>
+      <p:grpSpPr>
+        <a:xfrm>
+          <a:off x="0" y="0"/>
+          <a:ext cx="0" cy="0"/>
+          <a:chOff x="0" y="0"/>
+          <a:chExt cx="0" cy="0"/>
+        </a:xfrm>
+      </p:grpSpPr>
+    </p:spTree>
+    <p:extLst>
+      <p:ext uri="{BB962C8B-B14F-4D97-AF65-F5344CB8AC3E}">
+        <p14:creationId xmlns:p14="http://schemas.microsoft.com/office/powerpoint/2010/main" val="3519415419"/>
+      </p:ext>
+    </p:extLst>
+  </p:cSld>
+  <p:clrMapOvr>
+    <a:masterClrMapping/>
+  </p:clrMapOvr>
+</p:sld>
+</file>
+
+<file path=ppt/slides/slide5.xml><?xml version="1.0" encoding="utf-8"?>
+<p:sld xmlns:a="http://schemas.openxmlformats.org/drawingml/2006/main" xmlns:r="http://schemas.openxmlformats.org/officeDocument/2006/relationships" xmlns:p="http://schemas.openxmlformats.org/presentationml/2006/main">
+  <p:cSld>
+    <p:spTree>
+      <p:nvGrpSpPr>
+        <p:cNvPr id="1" name=""/>
+        <p:cNvGrpSpPr/>
+        <p:nvPr/>
+      </p:nvGrpSpPr>
+      <p:grpSpPr>
+        <a:xfrm>
+          <a:off x="0" y="0"/>
+          <a:ext cx="0" cy="0"/>
+          <a:chOff x="0" y="0"/>
+          <a:chExt cx="0" cy="0"/>
+        </a:xfrm>
+      </p:grpSpPr>
+    </p:spTree>
+    <p:extLst>
+      <p:ext uri="{BB962C8B-B14F-4D97-AF65-F5344CB8AC3E}">
+        <p14:creationId xmlns:p14="http://schemas.microsoft.com/office/powerpoint/2010/main" val="1763661512"/>
+      </p:ext>
+    </p:extLst>
+  </p:cSld>
+  <p:clrMapOvr>
+    <a:masterClrMapping/>
+  </p:clrMapOvr>
+</p:sld>
+</file>
+
+<file path=ppt/slides/slide6.xml><?xml version="1.0" encoding="utf-8"?>
+<p:sld xmlns:a="http://schemas.openxmlformats.org/drawingml/2006/main" xmlns:r="http://schemas.openxmlformats.org/officeDocument/2006/relationships" xmlns:p="http://schemas.openxmlformats.org/presentationml/2006/main">
+  <p:cSld>
+    <p:spTree>
+      <p:nvGrpSpPr>
+        <p:cNvPr id="1" name=""/>
+        <p:cNvGrpSpPr/>
+        <p:nvPr/>
+      </p:nvGrpSpPr>
+      <p:grpSpPr>
+        <a:xfrm>
+          <a:off x="0" y="0"/>
+          <a:ext cx="0" cy="0"/>
+          <a:chOff x="0" y="0"/>
+          <a:chExt cx="0" cy="0"/>
+        </a:xfrm>
+      </p:grpSpPr>
+    </p:spTree>
+    <p:extLst>
+      <p:ext uri="{BB962C8B-B14F-4D97-AF65-F5344CB8AC3E}">
+        <p14:creationId xmlns:p14="http://schemas.microsoft.com/office/powerpoint/2010/main" val="395981654"/>
+      </p:ext>
+    </p:extLst>
+  </p:cSld>
+  <p:clrMapOvr>
+    <a:masterClrMapping/>
+  </p:clrMapOvr>
+</p:sld>
+</file>
+
+<file path=ppt/slides/slide7.xml><?xml version="1.0" encoding="utf-8"?>
+<p:sld xmlns:a="http://schemas.openxmlformats.org/drawingml/2006/main" xmlns:r="http://schemas.openxmlformats.org/officeDocument/2006/relationships" xmlns:p="http://schemas.openxmlformats.org/presentationml/2006/main">
+  <p:cSld>
+    <p:spTree>
+      <p:nvGrpSpPr>
+        <p:cNvPr id="1" name=""/>
+        <p:cNvGrpSpPr/>
+        <p:nvPr/>
+      </p:nvGrpSpPr>
+      <p:grpSpPr>
+        <a:xfrm>
+          <a:off x="0" y="0"/>
+          <a:ext cx="0" cy="0"/>
+          <a:chOff x="0" y="0"/>
+          <a:chExt cx="0" cy="0"/>
+        </a:xfrm>
+      </p:grpSpPr>
+    </p:spTree>
+    <p:extLst>
+      <p:ext uri="{BB962C8B-B14F-4D97-AF65-F5344CB8AC3E}">
+        <p14:creationId xmlns:p14="http://schemas.microsoft.com/office/powerpoint/2010/main" val="193940732"/>
+      </p:ext>
+    </p:extLst>
+  </p:cSld>
+  <p:clrMapOvr>
+    <a:masterClrMapping/>
+  </p:clrMapOvr>
+</p:sld>
+</file>
+
+<file path=ppt/slides/slide8.xml><?xml version="1.0" encoding="utf-8"?>
+<p:sld xmlns:a="http://schemas.openxmlformats.org/drawingml/2006/main" xmlns:r="http://schemas.openxmlformats.org/officeDocument/2006/relationships" xmlns:p="http://schemas.openxmlformats.org/presentationml/2006/main">
+  <p:cSld>
+    <p:spTree>
+      <p:nvGrpSpPr>
+        <p:cNvPr id="1" name=""/>
+        <p:cNvGrpSpPr/>
+        <p:nvPr/>
+      </p:nvGrpSpPr>
+      <p:grpSpPr>
+        <a:xfrm>
+          <a:off x="0" y="0"/>
+          <a:ext cx="0" cy="0"/>
+          <a:chOff x="0" y="0"/>
+          <a:chExt cx="0" cy="0"/>
+        </a:xfrm>
+      </p:grpSpPr>
+    </p:spTree>
+    <p:extLst>
+      <p:ext uri="{BB962C8B-B14F-4D97-AF65-F5344CB8AC3E}">
+        <p14:creationId xmlns:p14="http://schemas.microsoft.com/office/powerpoint/2010/main" val="2996972328"/>
+      </p:ext>
+    </p:extLst>
+  </p:cSld>
+  <p:clrMapOvr>
+    <a:masterClrMapping/>
+  </p:clrMapOvr>
+</p:sld>
+</file>
+
+<file path=ppt/slides/slide9.xml><?xml version="1.0" encoding="utf-8"?>
+<p:sld xmlns:a="http://schemas.openxmlformats.org/drawingml/2006/main" xmlns:r="http://schemas.openxmlformats.org/officeDocument/2006/relationships" xmlns:p="http://schemas.openxmlformats.org/presentationml/2006/main">
+  <p:cSld>
+    <p:spTree>
+      <p:nvGrpSpPr>
+        <p:cNvPr id="1" name=""/>
+        <p:cNvGrpSpPr/>
+        <p:nvPr/>
+      </p:nvGrpSpPr>
+      <p:grpSpPr>
+        <a:xfrm>
+          <a:off x="0" y="0"/>
+          <a:ext cx="0" cy="0"/>
+          <a:chOff x="0" y="0"/>
+          <a:chExt cx="0" cy="0"/>
+        </a:xfrm>
+      </p:grpSpPr>
+    </p:spTree>
+    <p:extLst>
+      <p:ext uri="{BB962C8B-B14F-4D97-AF65-F5344CB8AC3E}">
+        <p14:creationId xmlns:p14="http://schemas.microsoft.com/office/powerpoint/2010/main" val="3220034378"/>
       </p:ext>
     </p:extLst>
   </p:cSld>

--- a/03-스프링 부트 개념과 활용/assets/image.pptx
+++ b/03-스프링 부트 개념과 활용/assets/image.pptx
@@ -271,7 +271,7 @@
           <a:p>
             <a:fld id="{8BF48431-9A6F-8A44-AE8D-657D68852F8B}" type="datetimeFigureOut">
               <a:rPr kumimoji="1" lang="ko-Kore-KR" altLang="en-US" smtClean="0"/>
-              <a:t>2021. 6. 6.</a:t>
+              <a:t>2021. 7. 17.</a:t>
             </a:fld>
             <a:endParaRPr kumimoji="1" lang="ko-Kore-KR" altLang="en-US"/>
           </a:p>
@@ -471,7 +471,7 @@
           <a:p>
             <a:fld id="{8BF48431-9A6F-8A44-AE8D-657D68852F8B}" type="datetimeFigureOut">
               <a:rPr kumimoji="1" lang="ko-Kore-KR" altLang="en-US" smtClean="0"/>
-              <a:t>2021. 6. 6.</a:t>
+              <a:t>2021. 7. 17.</a:t>
             </a:fld>
             <a:endParaRPr kumimoji="1" lang="ko-Kore-KR" altLang="en-US"/>
           </a:p>
@@ -681,7 +681,7 @@
           <a:p>
             <a:fld id="{8BF48431-9A6F-8A44-AE8D-657D68852F8B}" type="datetimeFigureOut">
               <a:rPr kumimoji="1" lang="ko-Kore-KR" altLang="en-US" smtClean="0"/>
-              <a:t>2021. 6. 6.</a:t>
+              <a:t>2021. 7. 17.</a:t>
             </a:fld>
             <a:endParaRPr kumimoji="1" lang="ko-Kore-KR" altLang="en-US"/>
           </a:p>
@@ -881,7 +881,7 @@
           <a:p>
             <a:fld id="{8BF48431-9A6F-8A44-AE8D-657D68852F8B}" type="datetimeFigureOut">
               <a:rPr kumimoji="1" lang="ko-Kore-KR" altLang="en-US" smtClean="0"/>
-              <a:t>2021. 6. 6.</a:t>
+              <a:t>2021. 7. 17.</a:t>
             </a:fld>
             <a:endParaRPr kumimoji="1" lang="ko-Kore-KR" altLang="en-US"/>
           </a:p>
@@ -1157,7 +1157,7 @@
           <a:p>
             <a:fld id="{8BF48431-9A6F-8A44-AE8D-657D68852F8B}" type="datetimeFigureOut">
               <a:rPr kumimoji="1" lang="ko-Kore-KR" altLang="en-US" smtClean="0"/>
-              <a:t>2021. 6. 6.</a:t>
+              <a:t>2021. 7. 17.</a:t>
             </a:fld>
             <a:endParaRPr kumimoji="1" lang="ko-Kore-KR" altLang="en-US"/>
           </a:p>
@@ -1425,7 +1425,7 @@
           <a:p>
             <a:fld id="{8BF48431-9A6F-8A44-AE8D-657D68852F8B}" type="datetimeFigureOut">
               <a:rPr kumimoji="1" lang="ko-Kore-KR" altLang="en-US" smtClean="0"/>
-              <a:t>2021. 6. 6.</a:t>
+              <a:t>2021. 7. 17.</a:t>
             </a:fld>
             <a:endParaRPr kumimoji="1" lang="ko-Kore-KR" altLang="en-US"/>
           </a:p>
@@ -1840,7 +1840,7 @@
           <a:p>
             <a:fld id="{8BF48431-9A6F-8A44-AE8D-657D68852F8B}" type="datetimeFigureOut">
               <a:rPr kumimoji="1" lang="ko-Kore-KR" altLang="en-US" smtClean="0"/>
-              <a:t>2021. 6. 6.</a:t>
+              <a:t>2021. 7. 17.</a:t>
             </a:fld>
             <a:endParaRPr kumimoji="1" lang="ko-Kore-KR" altLang="en-US"/>
           </a:p>
@@ -1982,7 +1982,7 @@
           <a:p>
             <a:fld id="{8BF48431-9A6F-8A44-AE8D-657D68852F8B}" type="datetimeFigureOut">
               <a:rPr kumimoji="1" lang="ko-Kore-KR" altLang="en-US" smtClean="0"/>
-              <a:t>2021. 6. 6.</a:t>
+              <a:t>2021. 7. 17.</a:t>
             </a:fld>
             <a:endParaRPr kumimoji="1" lang="ko-Kore-KR" altLang="en-US"/>
           </a:p>
@@ -2095,7 +2095,7 @@
           <a:p>
             <a:fld id="{8BF48431-9A6F-8A44-AE8D-657D68852F8B}" type="datetimeFigureOut">
               <a:rPr kumimoji="1" lang="ko-Kore-KR" altLang="en-US" smtClean="0"/>
-              <a:t>2021. 6. 6.</a:t>
+              <a:t>2021. 7. 17.</a:t>
             </a:fld>
             <a:endParaRPr kumimoji="1" lang="ko-Kore-KR" altLang="en-US"/>
           </a:p>
@@ -2408,7 +2408,7 @@
           <a:p>
             <a:fld id="{8BF48431-9A6F-8A44-AE8D-657D68852F8B}" type="datetimeFigureOut">
               <a:rPr kumimoji="1" lang="ko-Kore-KR" altLang="en-US" smtClean="0"/>
-              <a:t>2021. 6. 6.</a:t>
+              <a:t>2021. 7. 17.</a:t>
             </a:fld>
             <a:endParaRPr kumimoji="1" lang="ko-Kore-KR" altLang="en-US"/>
           </a:p>
@@ -2697,7 +2697,7 @@
           <a:p>
             <a:fld id="{8BF48431-9A6F-8A44-AE8D-657D68852F8B}" type="datetimeFigureOut">
               <a:rPr kumimoji="1" lang="ko-Kore-KR" altLang="en-US" smtClean="0"/>
-              <a:t>2021. 6. 6.</a:t>
+              <a:t>2021. 7. 17.</a:t>
             </a:fld>
             <a:endParaRPr kumimoji="1" lang="ko-Kore-KR" altLang="en-US"/>
           </a:p>
@@ -2940,7 +2940,7 @@
           <a:p>
             <a:fld id="{8BF48431-9A6F-8A44-AE8D-657D68852F8B}" type="datetimeFigureOut">
               <a:rPr kumimoji="1" lang="ko-Kore-KR" altLang="en-US" smtClean="0"/>
-              <a:t>2021. 6. 6.</a:t>
+              <a:t>2021. 7. 17.</a:t>
             </a:fld>
             <a:endParaRPr kumimoji="1" lang="ko-Kore-KR" altLang="en-US"/>
           </a:p>
@@ -3906,6 +3906,13 @@
             <a:avLst/>
           </a:prstGeom>
           <a:noFill/>
+          <a:ln w="28575">
+            <a:solidFill>
+              <a:schemeClr val="bg2">
+                <a:lumMod val="50000"/>
+              </a:schemeClr>
+            </a:solidFill>
+          </a:ln>
         </p:spPr>
         <p:txBody>
           <a:bodyPr wrap="none" rtlCol="0">
@@ -3942,6 +3949,13 @@
             <a:avLst/>
           </a:prstGeom>
           <a:noFill/>
+          <a:ln w="28575">
+            <a:solidFill>
+              <a:schemeClr val="bg2">
+                <a:lumMod val="50000"/>
+              </a:schemeClr>
+            </a:solidFill>
+          </a:ln>
         </p:spPr>
         <p:txBody>
           <a:bodyPr wrap="none" rtlCol="0">
@@ -3977,6 +3991,13 @@
           <a:prstGeom prst="rect">
             <a:avLst/>
           </a:prstGeom>
+          <a:ln w="28575">
+            <a:solidFill>
+              <a:schemeClr val="bg2">
+                <a:lumMod val="50000"/>
+              </a:schemeClr>
+            </a:solidFill>
+          </a:ln>
         </p:spPr>
         <p:txBody>
           <a:bodyPr wrap="none">
@@ -4016,6 +4037,11 @@
             <a:avLst/>
           </a:prstGeom>
           <a:ln>
+            <a:solidFill>
+              <a:schemeClr val="bg2">
+                <a:lumMod val="50000"/>
+              </a:schemeClr>
+            </a:solidFill>
             <a:tailEnd type="triangle"/>
           </a:ln>
         </p:spPr>
@@ -4059,6 +4085,11 @@
             <a:avLst/>
           </a:prstGeom>
           <a:ln>
+            <a:solidFill>
+              <a:schemeClr val="bg2">
+                <a:lumMod val="50000"/>
+              </a:schemeClr>
+            </a:solidFill>
             <a:tailEnd type="triangle"/>
           </a:ln>
         </p:spPr>
@@ -4134,7 +4165,7 @@
         <p:spPr>
           <a:xfrm>
             <a:off x="3438958" y="4056993"/>
-            <a:ext cx="1162498" cy="646331"/>
+            <a:ext cx="1162498" cy="830997"/>
           </a:xfrm>
           <a:prstGeom prst="rect">
             <a:avLst/>
@@ -4146,6 +4177,12 @@
             <a:spAutoFit/>
           </a:bodyPr>
           <a:lstStyle/>
+          <a:p>
+            <a:r>
+              <a:rPr kumimoji="1" lang="en-US" altLang="ko-KR" sz="1200" dirty="0"/>
+              <a:t>&lt;properties&gt;</a:t>
+            </a:r>
+          </a:p>
           <a:p>
             <a:pPr marL="171450" indent="-171450">
               <a:buFontTx/>
@@ -4242,7 +4279,7 @@
         <p:spPr>
           <a:xfrm>
             <a:off x="985208" y="3345865"/>
-            <a:ext cx="1162498" cy="646331"/>
+            <a:ext cx="1162498" cy="830997"/>
           </a:xfrm>
           <a:prstGeom prst="rect">
             <a:avLst/>
@@ -4255,6 +4292,12 @@
           </a:bodyPr>
           <a:lstStyle/>
           <a:p>
+            <a:r>
+              <a:rPr kumimoji="1" lang="en-US" altLang="ko-KR" sz="1200" dirty="0"/>
+              <a:t>&lt;properties&gt;</a:t>
+            </a:r>
+          </a:p>
+          <a:p>
             <a:pPr marL="171450" indent="-171450">
               <a:buFontTx/>
               <a:buChar char="-"/>
@@ -4275,7 +4318,7 @@
               <a:t>DB </a:t>
             </a:r>
             <a:r>
-              <a:rPr kumimoji="1" lang="ko-KR" altLang="en-US" sz="1200"/>
+              <a:rPr kumimoji="1" lang="ko-KR" altLang="en-US" sz="1200" dirty="0"/>
               <a:t>버전</a:t>
             </a:r>
             <a:endParaRPr kumimoji="1" lang="en-US" altLang="ko-KR" sz="1200" dirty="0"/>
@@ -4323,6 +4366,36 @@
           <a:chExt cx="0" cy="0"/>
         </a:xfrm>
       </p:grpSpPr>
+      <p:pic>
+        <p:nvPicPr>
+          <p:cNvPr id="2" name="그림 1">
+            <a:extLst>
+              <a:ext uri="{FF2B5EF4-FFF2-40B4-BE49-F238E27FC236}">
+                <a16:creationId xmlns:a16="http://schemas.microsoft.com/office/drawing/2014/main" id="{906629C0-C740-5D4A-BBBA-8E0053A2EA6C}"/>
+              </a:ext>
+            </a:extLst>
+          </p:cNvPr>
+          <p:cNvPicPr>
+            <a:picLocks noChangeAspect="1"/>
+          </p:cNvPicPr>
+          <p:nvPr/>
+        </p:nvPicPr>
+        <p:blipFill>
+          <a:blip r:embed="rId2"/>
+          <a:stretch>
+            <a:fillRect/>
+          </a:stretch>
+        </p:blipFill>
+        <p:spPr>
+          <a:xfrm>
+            <a:off x="2693057" y="2088189"/>
+            <a:ext cx="6805886" cy="2681621"/>
+          </a:xfrm>
+          <a:prstGeom prst="rect">
+            <a:avLst/>
+          </a:prstGeom>
+        </p:spPr>
+      </p:pic>
     </p:spTree>
     <p:extLst>
       <p:ext uri="{BB962C8B-B14F-4D97-AF65-F5344CB8AC3E}">
@@ -4353,6 +4426,136 @@
           <a:chExt cx="0" cy="0"/>
         </a:xfrm>
       </p:grpSpPr>
+      <p:pic>
+        <p:nvPicPr>
+          <p:cNvPr id="2" name="그림 1">
+            <a:extLst>
+              <a:ext uri="{FF2B5EF4-FFF2-40B4-BE49-F238E27FC236}">
+                <a16:creationId xmlns:a16="http://schemas.microsoft.com/office/drawing/2014/main" id="{15CA1998-0F6C-E641-95BC-1BF1B71CDB23}"/>
+              </a:ext>
+            </a:extLst>
+          </p:cNvPr>
+          <p:cNvPicPr>
+            <a:picLocks noChangeAspect="1"/>
+          </p:cNvPicPr>
+          <p:nvPr/>
+        </p:nvPicPr>
+        <p:blipFill>
+          <a:blip r:embed="rId2"/>
+          <a:stretch>
+            <a:fillRect/>
+          </a:stretch>
+        </p:blipFill>
+        <p:spPr>
+          <a:xfrm>
+            <a:off x="4114800" y="1346200"/>
+            <a:ext cx="3962400" cy="4165600"/>
+          </a:xfrm>
+          <a:prstGeom prst="rect">
+            <a:avLst/>
+          </a:prstGeom>
+        </p:spPr>
+      </p:pic>
+      <p:sp>
+        <p:nvSpPr>
+          <p:cNvPr id="3" name="직사각형 2">
+            <a:extLst>
+              <a:ext uri="{FF2B5EF4-FFF2-40B4-BE49-F238E27FC236}">
+                <a16:creationId xmlns:a16="http://schemas.microsoft.com/office/drawing/2014/main" id="{D3203C03-4D18-6F49-82EC-2C8862F81B4D}"/>
+              </a:ext>
+            </a:extLst>
+          </p:cNvPr>
+          <p:cNvSpPr/>
+          <p:nvPr/>
+        </p:nvSpPr>
+        <p:spPr>
+          <a:xfrm>
+            <a:off x="4114800" y="4109545"/>
+            <a:ext cx="3694386" cy="262758"/>
+          </a:xfrm>
+          <a:prstGeom prst="rect">
+            <a:avLst/>
+          </a:prstGeom>
+          <a:noFill/>
+          <a:ln w="28575">
+            <a:solidFill>
+              <a:srgbClr val="FF0000"/>
+            </a:solidFill>
+          </a:ln>
+        </p:spPr>
+        <p:style>
+          <a:lnRef idx="2">
+            <a:schemeClr val="accent1">
+              <a:shade val="50000"/>
+            </a:schemeClr>
+          </a:lnRef>
+          <a:fillRef idx="1">
+            <a:schemeClr val="accent1"/>
+          </a:fillRef>
+          <a:effectRef idx="0">
+            <a:schemeClr val="accent1"/>
+          </a:effectRef>
+          <a:fontRef idx="minor">
+            <a:schemeClr val="lt1"/>
+          </a:fontRef>
+        </p:style>
+        <p:txBody>
+          <a:bodyPr rtlCol="0" anchor="ctr"/>
+          <a:lstStyle/>
+          <a:p>
+            <a:pPr algn="ctr"/>
+            <a:endParaRPr kumimoji="1" lang="ko-Kore-KR" altLang="en-US"/>
+          </a:p>
+        </p:txBody>
+      </p:sp>
+      <p:sp>
+        <p:nvSpPr>
+          <p:cNvPr id="4" name="TextBox 3">
+            <a:extLst>
+              <a:ext uri="{FF2B5EF4-FFF2-40B4-BE49-F238E27FC236}">
+                <a16:creationId xmlns:a16="http://schemas.microsoft.com/office/drawing/2014/main" id="{C1FD9C86-5D09-EE43-AAC2-D1C1131E7246}"/>
+              </a:ext>
+            </a:extLst>
+          </p:cNvPr>
+          <p:cNvSpPr txBox="1"/>
+          <p:nvPr/>
+        </p:nvSpPr>
+        <p:spPr>
+          <a:xfrm>
+            <a:off x="8334703" y="4162097"/>
+            <a:ext cx="2074607" cy="369332"/>
+          </a:xfrm>
+          <a:prstGeom prst="rect">
+            <a:avLst/>
+          </a:prstGeom>
+          <a:noFill/>
+        </p:spPr>
+        <p:txBody>
+          <a:bodyPr wrap="none" rtlCol="0">
+            <a:spAutoFit/>
+          </a:bodyPr>
+          <a:lstStyle/>
+          <a:p>
+            <a:r>
+              <a:rPr kumimoji="1" lang="en-US" altLang="ko-KR"/>
+              <a:t>‘</a:t>
+            </a:r>
+            <a:r>
+              <a:rPr kumimoji="1" lang="ko-KR" altLang="en-US"/>
+              <a:t>더블 클릭</a:t>
+            </a:r>
+            <a:r>
+              <a:rPr kumimoji="1" lang="en-US" altLang="ko-KR"/>
+              <a:t>’</a:t>
+            </a:r>
+            <a:r>
+              <a:rPr kumimoji="1" lang="ko-KR" altLang="en-US"/>
+              <a:t> 과 동일</a:t>
+            </a:r>
+            <a:endParaRPr kumimoji="1" lang="ko-Kore-KR" altLang="en-US"/>
+          </a:p>
+        </p:txBody>
+      </p:sp>
     </p:spTree>
     <p:extLst>
       <p:ext uri="{BB962C8B-B14F-4D97-AF65-F5344CB8AC3E}">
@@ -4383,6 +4586,72 @@
           <a:chExt cx="0" cy="0"/>
         </a:xfrm>
       </p:grpSpPr>
+      <p:pic>
+        <p:nvPicPr>
+          <p:cNvPr id="2" name="그림 1">
+            <a:extLst>
+              <a:ext uri="{FF2B5EF4-FFF2-40B4-BE49-F238E27FC236}">
+                <a16:creationId xmlns:a16="http://schemas.microsoft.com/office/drawing/2014/main" id="{CA46DBBF-AE14-C74A-B9A8-118273CD58D0}"/>
+              </a:ext>
+            </a:extLst>
+          </p:cNvPr>
+          <p:cNvPicPr>
+            <a:picLocks noChangeAspect="1"/>
+          </p:cNvPicPr>
+          <p:nvPr/>
+        </p:nvPicPr>
+        <p:blipFill>
+          <a:blip r:embed="rId2"/>
+          <a:stretch>
+            <a:fillRect/>
+          </a:stretch>
+        </p:blipFill>
+        <p:spPr>
+          <a:xfrm>
+            <a:off x="527050" y="2762250"/>
+            <a:ext cx="11137900" cy="1333500"/>
+          </a:xfrm>
+          <a:prstGeom prst="rect">
+            <a:avLst/>
+          </a:prstGeom>
+        </p:spPr>
+      </p:pic>
+      <p:sp>
+        <p:nvSpPr>
+          <p:cNvPr id="4" name="TextBox 3">
+            <a:extLst>
+              <a:ext uri="{FF2B5EF4-FFF2-40B4-BE49-F238E27FC236}">
+                <a16:creationId xmlns:a16="http://schemas.microsoft.com/office/drawing/2014/main" id="{55A82719-A83C-6B4F-95AD-01D31A265FAA}"/>
+              </a:ext>
+            </a:extLst>
+          </p:cNvPr>
+          <p:cNvSpPr txBox="1"/>
+          <p:nvPr/>
+        </p:nvSpPr>
+        <p:spPr>
+          <a:xfrm>
+            <a:off x="163773" y="4599296"/>
+            <a:ext cx="6469335" cy="369332"/>
+          </a:xfrm>
+          <a:prstGeom prst="rect">
+            <a:avLst/>
+          </a:prstGeom>
+          <a:noFill/>
+        </p:spPr>
+        <p:txBody>
+          <a:bodyPr wrap="none" rtlCol="0">
+            <a:spAutoFit/>
+          </a:bodyPr>
+          <a:lstStyle/>
+          <a:p>
+            <a:r>
+              <a:rPr kumimoji="1" lang="en" altLang="ko-Kore-KR"/>
+              <a:t>https://backstage.forgerock.com/knowledge/kb/article/a15048811</a:t>
+            </a:r>
+            <a:endParaRPr kumimoji="1" lang="ko-Kore-KR" altLang="en-US"/>
+          </a:p>
+        </p:txBody>
+      </p:sp>
     </p:spTree>
     <p:extLst>
       <p:ext uri="{BB962C8B-B14F-4D97-AF65-F5344CB8AC3E}">
@@ -4413,6 +4682,36 @@
           <a:chExt cx="0" cy="0"/>
         </a:xfrm>
       </p:grpSpPr>
+      <p:pic>
+        <p:nvPicPr>
+          <p:cNvPr id="2" name="그림 1">
+            <a:extLst>
+              <a:ext uri="{FF2B5EF4-FFF2-40B4-BE49-F238E27FC236}">
+                <a16:creationId xmlns:a16="http://schemas.microsoft.com/office/drawing/2014/main" id="{7E009DB3-0F18-654F-A207-98925BC09372}"/>
+              </a:ext>
+            </a:extLst>
+          </p:cNvPr>
+          <p:cNvPicPr>
+            <a:picLocks noChangeAspect="1"/>
+          </p:cNvPicPr>
+          <p:nvPr/>
+        </p:nvPicPr>
+        <p:blipFill>
+          <a:blip r:embed="rId2"/>
+          <a:stretch>
+            <a:fillRect/>
+          </a:stretch>
+        </p:blipFill>
+        <p:spPr>
+          <a:xfrm>
+            <a:off x="1340068" y="654269"/>
+            <a:ext cx="7322018" cy="5632322"/>
+          </a:xfrm>
+          <a:prstGeom prst="rect">
+            <a:avLst/>
+          </a:prstGeom>
+        </p:spPr>
+      </p:pic>
     </p:spTree>
     <p:extLst>
       <p:ext uri="{BB962C8B-B14F-4D97-AF65-F5344CB8AC3E}">

--- a/03-스프링 부트 개념과 활용/assets/image.pptx
+++ b/03-스프링 부트 개념과 활용/assets/image.pptx
@@ -4682,36 +4682,109 @@
           <a:chExt cx="0" cy="0"/>
         </a:xfrm>
       </p:grpSpPr>
-      <p:pic>
-        <p:nvPicPr>
-          <p:cNvPr id="2" name="그림 1">
-            <a:extLst>
-              <a:ext uri="{FF2B5EF4-FFF2-40B4-BE49-F238E27FC236}">
-                <a16:creationId xmlns:a16="http://schemas.microsoft.com/office/drawing/2014/main" id="{7E009DB3-0F18-654F-A207-98925BC09372}"/>
-              </a:ext>
-            </a:extLst>
-          </p:cNvPr>
-          <p:cNvPicPr>
-            <a:picLocks noChangeAspect="1"/>
-          </p:cNvPicPr>
+      <p:grpSp>
+        <p:nvGrpSpPr>
+          <p:cNvPr id="4" name="그룹 3">
+            <a:extLst>
+              <a:ext uri="{FF2B5EF4-FFF2-40B4-BE49-F238E27FC236}">
+                <a16:creationId xmlns:a16="http://schemas.microsoft.com/office/drawing/2014/main" id="{803E1DA2-37EB-E244-B480-229D53944E3F}"/>
+              </a:ext>
+            </a:extLst>
+          </p:cNvPr>
+          <p:cNvGrpSpPr/>
           <p:nvPr/>
-        </p:nvPicPr>
-        <p:blipFill>
-          <a:blip r:embed="rId2"/>
-          <a:stretch>
-            <a:fillRect/>
-          </a:stretch>
-        </p:blipFill>
-        <p:spPr>
+        </p:nvGrpSpPr>
+        <p:grpSpPr>
           <a:xfrm>
-            <a:off x="1340068" y="654269"/>
+            <a:off x="2434991" y="612839"/>
             <a:ext cx="7322018" cy="5632322"/>
+            <a:chOff x="1340068" y="654269"/>
+            <a:chExt cx="7322018" cy="5632322"/>
           </a:xfrm>
-          <a:prstGeom prst="rect">
-            <a:avLst/>
-          </a:prstGeom>
-        </p:spPr>
-      </p:pic>
+        </p:grpSpPr>
+        <p:pic>
+          <p:nvPicPr>
+            <p:cNvPr id="2" name="그림 1">
+              <a:extLst>
+                <a:ext uri="{FF2B5EF4-FFF2-40B4-BE49-F238E27FC236}">
+                  <a16:creationId xmlns:a16="http://schemas.microsoft.com/office/drawing/2014/main" id="{7E009DB3-0F18-654F-A207-98925BC09372}"/>
+                </a:ext>
+              </a:extLst>
+            </p:cNvPr>
+            <p:cNvPicPr>
+              <a:picLocks noChangeAspect="1"/>
+            </p:cNvPicPr>
+            <p:nvPr/>
+          </p:nvPicPr>
+          <p:blipFill>
+            <a:blip r:embed="rId2"/>
+            <a:stretch>
+              <a:fillRect/>
+            </a:stretch>
+          </p:blipFill>
+          <p:spPr>
+            <a:xfrm>
+              <a:off x="1340068" y="654269"/>
+              <a:ext cx="7322018" cy="5632322"/>
+            </a:xfrm>
+            <a:prstGeom prst="rect">
+              <a:avLst/>
+            </a:prstGeom>
+          </p:spPr>
+        </p:pic>
+        <p:sp>
+          <p:nvSpPr>
+            <p:cNvPr id="3" name="직사각형 2">
+              <a:extLst>
+                <a:ext uri="{FF2B5EF4-FFF2-40B4-BE49-F238E27FC236}">
+                  <a16:creationId xmlns:a16="http://schemas.microsoft.com/office/drawing/2014/main" id="{E26EEF19-3B89-164F-90A1-E7E1A3F3C1DB}"/>
+                </a:ext>
+              </a:extLst>
+            </p:cNvPr>
+            <p:cNvSpPr/>
+            <p:nvPr/>
+          </p:nvSpPr>
+          <p:spPr>
+            <a:xfrm>
+              <a:off x="4670854" y="5115697"/>
+              <a:ext cx="2471351" cy="654908"/>
+            </a:xfrm>
+            <a:prstGeom prst="rect">
+              <a:avLst/>
+            </a:prstGeom>
+            <a:noFill/>
+            <a:ln w="28575">
+              <a:solidFill>
+                <a:srgbClr val="FF0000"/>
+              </a:solidFill>
+            </a:ln>
+          </p:spPr>
+          <p:style>
+            <a:lnRef idx="2">
+              <a:schemeClr val="accent1">
+                <a:shade val="50000"/>
+              </a:schemeClr>
+            </a:lnRef>
+            <a:fillRef idx="1">
+              <a:schemeClr val="accent1"/>
+            </a:fillRef>
+            <a:effectRef idx="0">
+              <a:schemeClr val="accent1"/>
+            </a:effectRef>
+            <a:fontRef idx="minor">
+              <a:schemeClr val="lt1"/>
+            </a:fontRef>
+          </p:style>
+          <p:txBody>
+            <a:bodyPr rtlCol="0" anchor="ctr"/>
+            <a:lstStyle/>
+            <a:p>
+              <a:pPr algn="ctr"/>
+              <a:endParaRPr kumimoji="1" lang="ko-Kore-KR" altLang="en-US"/>
+            </a:p>
+          </p:txBody>
+        </p:sp>
+      </p:grpSp>
     </p:spTree>
     <p:extLst>
       <p:ext uri="{BB962C8B-B14F-4D97-AF65-F5344CB8AC3E}">
